--- a/teaching/semantics/09_review.pptx
+++ b/teaching/semantics/09_review.pptx
@@ -8,15 +8,16 @@
     <p:sldId id="258" r:id="rId2"/>
     <p:sldId id="257" r:id="rId3"/>
     <p:sldId id="274" r:id="rId4"/>
-    <p:sldId id="259" r:id="rId5"/>
-    <p:sldId id="260" r:id="rId6"/>
-    <p:sldId id="262" r:id="rId7"/>
-    <p:sldId id="263" r:id="rId8"/>
-    <p:sldId id="264" r:id="rId9"/>
-    <p:sldId id="267" r:id="rId10"/>
-    <p:sldId id="273" r:id="rId11"/>
-    <p:sldId id="269" r:id="rId12"/>
-    <p:sldId id="266" r:id="rId13"/>
+    <p:sldId id="275" r:id="rId5"/>
+    <p:sldId id="259" r:id="rId6"/>
+    <p:sldId id="260" r:id="rId7"/>
+    <p:sldId id="262" r:id="rId8"/>
+    <p:sldId id="263" r:id="rId9"/>
+    <p:sldId id="264" r:id="rId10"/>
+    <p:sldId id="267" r:id="rId11"/>
+    <p:sldId id="273" r:id="rId12"/>
+    <p:sldId id="277" r:id="rId13"/>
+    <p:sldId id="266" r:id="rId14"/>
   </p:sldIdLst>
   <p:sldSz cx="9144000" cy="6858000" type="screen4x3"/>
   <p:notesSz cx="6858000" cy="9144000"/>
@@ -254,7 +255,7 @@
           <a:p>
             <a:fld id="{8EC9B9C0-1732-48FC-A1EE-0A8CC1B1CCFA}" type="datetimeFigureOut">
               <a:rPr lang="zh-CN" altLang="en-US" smtClean="0"/>
-              <a:t>2022/12/6</a:t>
+              <a:t>2023/12/19</a:t>
             </a:fld>
             <a:endParaRPr lang="zh-CN" altLang="en-US"/>
           </a:p>
@@ -424,7 +425,7 @@
           <a:p>
             <a:fld id="{8EC9B9C0-1732-48FC-A1EE-0A8CC1B1CCFA}" type="datetimeFigureOut">
               <a:rPr lang="zh-CN" altLang="en-US" smtClean="0"/>
-              <a:t>2022/12/6</a:t>
+              <a:t>2023/12/19</a:t>
             </a:fld>
             <a:endParaRPr lang="zh-CN" altLang="en-US"/>
           </a:p>
@@ -604,7 +605,7 @@
           <a:p>
             <a:fld id="{8EC9B9C0-1732-48FC-A1EE-0A8CC1B1CCFA}" type="datetimeFigureOut">
               <a:rPr lang="zh-CN" altLang="en-US" smtClean="0"/>
-              <a:t>2022/12/6</a:t>
+              <a:t>2023/12/19</a:t>
             </a:fld>
             <a:endParaRPr lang="zh-CN" altLang="en-US"/>
           </a:p>
@@ -774,7 +775,7 @@
           <a:p>
             <a:fld id="{8EC9B9C0-1732-48FC-A1EE-0A8CC1B1CCFA}" type="datetimeFigureOut">
               <a:rPr lang="zh-CN" altLang="en-US" smtClean="0"/>
-              <a:t>2022/12/6</a:t>
+              <a:t>2023/12/19</a:t>
             </a:fld>
             <a:endParaRPr lang="zh-CN" altLang="en-US"/>
           </a:p>
@@ -1018,7 +1019,7 @@
           <a:p>
             <a:fld id="{8EC9B9C0-1732-48FC-A1EE-0A8CC1B1CCFA}" type="datetimeFigureOut">
               <a:rPr lang="zh-CN" altLang="en-US" smtClean="0"/>
-              <a:t>2022/12/6</a:t>
+              <a:t>2023/12/19</a:t>
             </a:fld>
             <a:endParaRPr lang="zh-CN" altLang="en-US"/>
           </a:p>
@@ -1250,7 +1251,7 @@
           <a:p>
             <a:fld id="{8EC9B9C0-1732-48FC-A1EE-0A8CC1B1CCFA}" type="datetimeFigureOut">
               <a:rPr lang="zh-CN" altLang="en-US" smtClean="0"/>
-              <a:t>2022/12/6</a:t>
+              <a:t>2023/12/19</a:t>
             </a:fld>
             <a:endParaRPr lang="zh-CN" altLang="en-US"/>
           </a:p>
@@ -1617,7 +1618,7 @@
           <a:p>
             <a:fld id="{8EC9B9C0-1732-48FC-A1EE-0A8CC1B1CCFA}" type="datetimeFigureOut">
               <a:rPr lang="zh-CN" altLang="en-US" smtClean="0"/>
-              <a:t>2022/12/6</a:t>
+              <a:t>2023/12/19</a:t>
             </a:fld>
             <a:endParaRPr lang="zh-CN" altLang="en-US"/>
           </a:p>
@@ -1735,7 +1736,7 @@
           <a:p>
             <a:fld id="{8EC9B9C0-1732-48FC-A1EE-0A8CC1B1CCFA}" type="datetimeFigureOut">
               <a:rPr lang="zh-CN" altLang="en-US" smtClean="0"/>
-              <a:t>2022/12/6</a:t>
+              <a:t>2023/12/19</a:t>
             </a:fld>
             <a:endParaRPr lang="zh-CN" altLang="en-US"/>
           </a:p>
@@ -1830,7 +1831,7 @@
           <a:p>
             <a:fld id="{8EC9B9C0-1732-48FC-A1EE-0A8CC1B1CCFA}" type="datetimeFigureOut">
               <a:rPr lang="zh-CN" altLang="en-US" smtClean="0"/>
-              <a:t>2022/12/6</a:t>
+              <a:t>2023/12/19</a:t>
             </a:fld>
             <a:endParaRPr lang="zh-CN" altLang="en-US"/>
           </a:p>
@@ -2107,7 +2108,7 @@
           <a:p>
             <a:fld id="{8EC9B9C0-1732-48FC-A1EE-0A8CC1B1CCFA}" type="datetimeFigureOut">
               <a:rPr lang="zh-CN" altLang="en-US" smtClean="0"/>
-              <a:t>2022/12/6</a:t>
+              <a:t>2023/12/19</a:t>
             </a:fld>
             <a:endParaRPr lang="zh-CN" altLang="en-US"/>
           </a:p>
@@ -2364,7 +2365,7 @@
           <a:p>
             <a:fld id="{8EC9B9C0-1732-48FC-A1EE-0A8CC1B1CCFA}" type="datetimeFigureOut">
               <a:rPr lang="zh-CN" altLang="en-US" smtClean="0"/>
-              <a:t>2022/12/6</a:t>
+              <a:t>2023/12/19</a:t>
             </a:fld>
             <a:endParaRPr lang="zh-CN" altLang="en-US"/>
           </a:p>
@@ -2577,7 +2578,7 @@
           <a:p>
             <a:fld id="{8EC9B9C0-1732-48FC-A1EE-0A8CC1B1CCFA}" type="datetimeFigureOut">
               <a:rPr lang="zh-CN" altLang="en-US" smtClean="0"/>
-              <a:t>2022/12/6</a:t>
+              <a:t>2023/12/19</a:t>
             </a:fld>
             <a:endParaRPr lang="zh-CN" altLang="en-US"/>
           </a:p>
@@ -3071,6 +3072,124 @@
           <p:cNvPr id="2" name="标题 1">
             <a:extLst>
               <a:ext uri="{FF2B5EF4-FFF2-40B4-BE49-F238E27FC236}">
+                <a16:creationId xmlns:a16="http://schemas.microsoft.com/office/drawing/2014/main" id="{E68BDC5F-7158-440C-8971-92B8532FFA42}"/>
+              </a:ext>
+            </a:extLst>
+          </p:cNvPr>
+          <p:cNvSpPr>
+            <a:spLocks noGrp="1"/>
+          </p:cNvSpPr>
+          <p:nvPr>
+            <p:ph type="title"/>
+          </p:nvPr>
+        </p:nvSpPr>
+        <p:spPr/>
+        <p:txBody>
+          <a:bodyPr/>
+          <a:lstStyle/>
+          <a:p>
+            <a:r>
+              <a:rPr lang="en-US" altLang="zh-CN" dirty="0"/>
+              <a:t>Operational semantics</a:t>
+            </a:r>
+            <a:endParaRPr lang="zh-CN" altLang="en-US" dirty="0"/>
+          </a:p>
+        </p:txBody>
+      </p:sp>
+      <p:sp>
+        <p:nvSpPr>
+          <p:cNvPr id="3" name="内容占位符 2">
+            <a:extLst>
+              <a:ext uri="{FF2B5EF4-FFF2-40B4-BE49-F238E27FC236}">
+                <a16:creationId xmlns:a16="http://schemas.microsoft.com/office/drawing/2014/main" id="{B230FF1E-BD04-4F2B-AB1C-EE20DFCC4121}"/>
+              </a:ext>
+            </a:extLst>
+          </p:cNvPr>
+          <p:cNvSpPr>
+            <a:spLocks noGrp="1"/>
+          </p:cNvSpPr>
+          <p:nvPr>
+            <p:ph idx="1"/>
+          </p:nvPr>
+        </p:nvSpPr>
+        <p:spPr/>
+        <p:txBody>
+          <a:bodyPr/>
+          <a:lstStyle/>
+          <a:p>
+            <a:r>
+              <a:rPr lang="en-US" altLang="zh-CN" dirty="0"/>
+              <a:t>Small-step</a:t>
+            </a:r>
+            <a:endParaRPr lang="zh-CN" altLang="en-US" dirty="0"/>
+          </a:p>
+        </p:txBody>
+      </p:sp>
+      <p:pic>
+        <p:nvPicPr>
+          <p:cNvPr id="10" name="图片 9">
+            <a:extLst>
+              <a:ext uri="{FF2B5EF4-FFF2-40B4-BE49-F238E27FC236}">
+                <a16:creationId xmlns:a16="http://schemas.microsoft.com/office/drawing/2014/main" id="{57F274E9-F672-474E-9B3F-2264A81B3C17}"/>
+              </a:ext>
+            </a:extLst>
+          </p:cNvPr>
+          <p:cNvPicPr>
+            <a:picLocks noChangeAspect="1"/>
+          </p:cNvPicPr>
+          <p:nvPr/>
+        </p:nvPicPr>
+        <p:blipFill>
+          <a:blip r:embed="rId2"/>
+          <a:stretch>
+            <a:fillRect/>
+          </a:stretch>
+        </p:blipFill>
+        <p:spPr>
+          <a:xfrm>
+            <a:off x="2468880" y="1458835"/>
+            <a:ext cx="6470332" cy="5267750"/>
+          </a:xfrm>
+          <a:prstGeom prst="rect">
+            <a:avLst/>
+          </a:prstGeom>
+        </p:spPr>
+      </p:pic>
+    </p:spTree>
+    <p:extLst>
+      <p:ext uri="{BB962C8B-B14F-4D97-AF65-F5344CB8AC3E}">
+        <p14:creationId xmlns:p14="http://schemas.microsoft.com/office/powerpoint/2010/main" val="4251448207"/>
+      </p:ext>
+    </p:extLst>
+  </p:cSld>
+  <p:clrMapOvr>
+    <a:masterClrMapping/>
+  </p:clrMapOvr>
+</p:sld>
+</file>
+
+<file path=ppt/slides/slide11.xml><?xml version="1.0" encoding="utf-8"?>
+<p:sld xmlns:a="http://schemas.openxmlformats.org/drawingml/2006/main" xmlns:r="http://schemas.openxmlformats.org/officeDocument/2006/relationships" xmlns:p="http://schemas.openxmlformats.org/presentationml/2006/main">
+  <p:cSld>
+    <p:spTree>
+      <p:nvGrpSpPr>
+        <p:cNvPr id="1" name=""/>
+        <p:cNvGrpSpPr/>
+        <p:nvPr/>
+      </p:nvGrpSpPr>
+      <p:grpSpPr>
+        <a:xfrm>
+          <a:off x="0" y="0"/>
+          <a:ext cx="0" cy="0"/>
+          <a:chOff x="0" y="0"/>
+          <a:chExt cx="0" cy="0"/>
+        </a:xfrm>
+      </p:grpSpPr>
+      <p:sp>
+        <p:nvSpPr>
+          <p:cNvPr id="2" name="标题 1">
+            <a:extLst>
+              <a:ext uri="{FF2B5EF4-FFF2-40B4-BE49-F238E27FC236}">
                 <a16:creationId xmlns:a16="http://schemas.microsoft.com/office/drawing/2014/main" id="{8B80C2D0-B4EA-44D4-B7D5-ECB257EAF861}"/>
               </a:ext>
             </a:extLst>
@@ -3167,7 +3286,7 @@
 </p:sld>
 </file>
 
-<file path=ppt/slides/slide11.xml><?xml version="1.0" encoding="utf-8"?>
+<file path=ppt/slides/slide12.xml><?xml version="1.0" encoding="utf-8"?>
 <p:sld xmlns:a="http://schemas.openxmlformats.org/drawingml/2006/main" xmlns:r="http://schemas.openxmlformats.org/officeDocument/2006/relationships" xmlns:p="http://schemas.openxmlformats.org/presentationml/2006/main">
   <p:cSld>
     <p:spTree>
@@ -3231,8 +3350,8 @@
         </p:nvSpPr>
         <p:spPr>
           <a:xfrm>
-            <a:off x="628650" y="1825625"/>
-            <a:ext cx="7886700" cy="4797812"/>
+            <a:off x="628650" y="1447137"/>
+            <a:ext cx="7886700" cy="5176300"/>
           </a:xfrm>
         </p:spPr>
         <p:txBody>
@@ -3265,10 +3384,18 @@
             <a:endParaRPr lang="en-US" altLang="zh-CN" dirty="0"/>
           </a:p>
           <a:p>
+            <a:endParaRPr lang="en-US" altLang="zh-CN" dirty="0"/>
+          </a:p>
+          <a:p>
             <a:r>
               <a:rPr lang="en-US" altLang="zh-CN" dirty="0"/>
-              <a:t>Judgement semantics</a:t>
-            </a:r>
+              <a:t>Judgement semantics (validity </a:t>
+            </a:r>
+            <a:r>
+              <a:rPr lang="en-US" altLang="zh-CN"/>
+              <a:t>of Hoare triples)</a:t>
+            </a:r>
+            <a:endParaRPr lang="en-US" altLang="zh-CN" dirty="0"/>
           </a:p>
           <a:p>
             <a:r>
@@ -3281,10 +3408,10 @@
       </p:sp>
       <p:pic>
         <p:nvPicPr>
-          <p:cNvPr id="6" name="图片 5">
+          <p:cNvPr id="4" name="图片 3">
             <a:extLst>
               <a:ext uri="{FF2B5EF4-FFF2-40B4-BE49-F238E27FC236}">
-                <a16:creationId xmlns:a16="http://schemas.microsoft.com/office/drawing/2014/main" id="{448F40F2-7C12-4ACD-8A4E-60FD9384B797}"/>
+                <a16:creationId xmlns:a16="http://schemas.microsoft.com/office/drawing/2014/main" id="{3CFFECDC-178D-4CC7-AB71-6473CC41B4FF}"/>
               </a:ext>
             </a:extLst>
           </p:cNvPr>
@@ -3301,8 +3428,8 @@
         </p:blipFill>
         <p:spPr>
           <a:xfrm>
-            <a:off x="572990" y="3230957"/>
-            <a:ext cx="8206740" cy="801724"/>
+            <a:off x="326052" y="2017635"/>
+            <a:ext cx="3085057" cy="720332"/>
           </a:xfrm>
           <a:prstGeom prst="rect">
             <a:avLst/>
@@ -3311,10 +3438,10 @@
       </p:pic>
       <p:pic>
         <p:nvPicPr>
-          <p:cNvPr id="7" name="图片 6">
+          <p:cNvPr id="5" name="图片 4">
             <a:extLst>
               <a:ext uri="{FF2B5EF4-FFF2-40B4-BE49-F238E27FC236}">
-                <a16:creationId xmlns:a16="http://schemas.microsoft.com/office/drawing/2014/main" id="{0F1CCD8C-4B0E-464E-80D0-3329D809CD5B}"/>
+                <a16:creationId xmlns:a16="http://schemas.microsoft.com/office/drawing/2014/main" id="{4E770740-36B0-4744-B423-4F2BA878CDFD}"/>
               </a:ext>
             </a:extLst>
           </p:cNvPr>
@@ -3331,8 +3458,8 @@
         </p:blipFill>
         <p:spPr>
           <a:xfrm>
-            <a:off x="5549805" y="2185679"/>
-            <a:ext cx="3396615" cy="875809"/>
+            <a:off x="3467905" y="1921113"/>
+            <a:ext cx="5425217" cy="770755"/>
           </a:xfrm>
           <a:prstGeom prst="rect">
             <a:avLst/>
@@ -3341,10 +3468,10 @@
       </p:pic>
       <p:pic>
         <p:nvPicPr>
-          <p:cNvPr id="9" name="图片 8">
+          <p:cNvPr id="8" name="图片 7">
             <a:extLst>
               <a:ext uri="{FF2B5EF4-FFF2-40B4-BE49-F238E27FC236}">
-                <a16:creationId xmlns:a16="http://schemas.microsoft.com/office/drawing/2014/main" id="{B6FBE129-5AD5-482B-8468-87AC41E6C51F}"/>
+                <a16:creationId xmlns:a16="http://schemas.microsoft.com/office/drawing/2014/main" id="{462C47A9-B2C7-41CE-97B7-9AE537A577E9}"/>
               </a:ext>
             </a:extLst>
           </p:cNvPr>
@@ -3361,8 +3488,8 @@
         </p:blipFill>
         <p:spPr>
           <a:xfrm>
-            <a:off x="1206750" y="4313073"/>
-            <a:ext cx="6879560" cy="801724"/>
+            <a:off x="2303686" y="4733873"/>
+            <a:ext cx="4536627" cy="690211"/>
           </a:xfrm>
           <a:prstGeom prst="rect">
             <a:avLst/>
@@ -3371,10 +3498,10 @@
       </p:pic>
       <p:pic>
         <p:nvPicPr>
-          <p:cNvPr id="10" name="图片 9">
+          <p:cNvPr id="12" name="图片 11">
             <a:extLst>
               <a:ext uri="{FF2B5EF4-FFF2-40B4-BE49-F238E27FC236}">
-                <a16:creationId xmlns:a16="http://schemas.microsoft.com/office/drawing/2014/main" id="{2834B9C6-F86B-47B1-B4F3-63AFF3831BEC}"/>
+                <a16:creationId xmlns:a16="http://schemas.microsoft.com/office/drawing/2014/main" id="{D5F0D366-B3DB-4881-A997-9FF67D59A39D}"/>
               </a:ext>
             </a:extLst>
           </p:cNvPr>
@@ -3391,8 +3518,8 @@
         </p:blipFill>
         <p:spPr>
           <a:xfrm>
-            <a:off x="86260" y="2367498"/>
-            <a:ext cx="3214688" cy="693990"/>
+            <a:off x="4657232" y="2800127"/>
+            <a:ext cx="2962637" cy="761821"/>
           </a:xfrm>
           <a:prstGeom prst="rect">
             <a:avLst/>
@@ -3401,10 +3528,10 @@
       </p:pic>
       <p:pic>
         <p:nvPicPr>
-          <p:cNvPr id="11" name="图片 10">
+          <p:cNvPr id="13" name="图片 12">
             <a:extLst>
               <a:ext uri="{FF2B5EF4-FFF2-40B4-BE49-F238E27FC236}">
-                <a16:creationId xmlns:a16="http://schemas.microsoft.com/office/drawing/2014/main" id="{2061F9B2-E11D-43CC-9781-61143A111EB4}"/>
+                <a16:creationId xmlns:a16="http://schemas.microsoft.com/office/drawing/2014/main" id="{FCB214DD-0688-4177-8588-AD205E663DF0}"/>
               </a:ext>
             </a:extLst>
           </p:cNvPr>
@@ -3421,8 +3548,68 @@
         </p:blipFill>
         <p:spPr>
           <a:xfrm>
-            <a:off x="3482876" y="2367498"/>
-            <a:ext cx="1982825" cy="693989"/>
+            <a:off x="1868581" y="2928219"/>
+            <a:ext cx="2065130" cy="633781"/>
+          </a:xfrm>
+          <a:prstGeom prst="rect">
+            <a:avLst/>
+          </a:prstGeom>
+        </p:spPr>
+      </p:pic>
+      <p:pic>
+        <p:nvPicPr>
+          <p:cNvPr id="14" name="图片 13">
+            <a:extLst>
+              <a:ext uri="{FF2B5EF4-FFF2-40B4-BE49-F238E27FC236}">
+                <a16:creationId xmlns:a16="http://schemas.microsoft.com/office/drawing/2014/main" id="{FE55A028-7502-4ED3-AD85-DE762D3F37C9}"/>
+              </a:ext>
+            </a:extLst>
+          </p:cNvPr>
+          <p:cNvPicPr>
+            <a:picLocks noChangeAspect="1"/>
+          </p:cNvPicPr>
+          <p:nvPr/>
+        </p:nvPicPr>
+        <p:blipFill>
+          <a:blip r:embed="rId7"/>
+          <a:stretch>
+            <a:fillRect/>
+          </a:stretch>
+        </p:blipFill>
+        <p:spPr>
+          <a:xfrm>
+            <a:off x="420303" y="3710536"/>
+            <a:ext cx="4252832" cy="874696"/>
+          </a:xfrm>
+          <a:prstGeom prst="rect">
+            <a:avLst/>
+          </a:prstGeom>
+        </p:spPr>
+      </p:pic>
+      <p:pic>
+        <p:nvPicPr>
+          <p:cNvPr id="15" name="图片 14">
+            <a:extLst>
+              <a:ext uri="{FF2B5EF4-FFF2-40B4-BE49-F238E27FC236}">
+                <a16:creationId xmlns:a16="http://schemas.microsoft.com/office/drawing/2014/main" id="{87A17D8E-CA0B-4D6C-98F4-657D35D6003B}"/>
+              </a:ext>
+            </a:extLst>
+          </p:cNvPr>
+          <p:cNvPicPr>
+            <a:picLocks noChangeAspect="1"/>
+          </p:cNvPicPr>
+          <p:nvPr/>
+        </p:nvPicPr>
+        <p:blipFill>
+          <a:blip r:embed="rId8"/>
+          <a:stretch>
+            <a:fillRect/>
+          </a:stretch>
+        </p:blipFill>
+        <p:spPr>
+          <a:xfrm>
+            <a:off x="5061763" y="3720282"/>
+            <a:ext cx="3453587" cy="761821"/>
           </a:xfrm>
           <a:prstGeom prst="rect">
             <a:avLst/>
@@ -3432,7 +3619,7 @@
     </p:spTree>
     <p:extLst>
       <p:ext uri="{BB962C8B-B14F-4D97-AF65-F5344CB8AC3E}">
-        <p14:creationId xmlns:p14="http://schemas.microsoft.com/office/powerpoint/2010/main" val="1156954371"/>
+        <p14:creationId xmlns:p14="http://schemas.microsoft.com/office/powerpoint/2010/main" val="956717288"/>
       </p:ext>
     </p:extLst>
   </p:cSld>
@@ -3442,7 +3629,7 @@
 </p:sld>
 </file>
 
-<file path=ppt/slides/slide12.xml><?xml version="1.0" encoding="utf-8"?>
+<file path=ppt/slides/slide13.xml><?xml version="1.0" encoding="utf-8"?>
 <p:sld xmlns:a="http://schemas.openxmlformats.org/drawingml/2006/main" xmlns:r="http://schemas.openxmlformats.org/officeDocument/2006/relationships" xmlns:p="http://schemas.openxmlformats.org/presentationml/2006/main">
   <p:cSld>
     <p:spTree>
@@ -3664,8 +3851,8 @@
         </p:nvSpPr>
         <p:spPr>
           <a:xfrm>
-            <a:off x="628650" y="365126"/>
-            <a:ext cx="7886700" cy="763959"/>
+            <a:off x="628650" y="365125"/>
+            <a:ext cx="7886700" cy="1384161"/>
           </a:xfrm>
         </p:spPr>
         <p:txBody>
@@ -3697,13 +3884,13 @@
         </p:nvSpPr>
         <p:spPr>
           <a:xfrm>
-            <a:off x="628650" y="1494844"/>
-            <a:ext cx="7886700" cy="5136543"/>
+            <a:off x="628650" y="1828799"/>
+            <a:ext cx="7886700" cy="4492487"/>
           </a:xfrm>
         </p:spPr>
         <p:txBody>
           <a:bodyPr>
-            <a:normAutofit fontScale="92500" lnSpcReduction="10000"/>
+            <a:normAutofit/>
           </a:bodyPr>
           <a:lstStyle/>
           <a:p>
@@ -3749,7 +3936,7 @@
                   <a:srgbClr val="FF0000"/>
                 </a:solidFill>
               </a:rPr>
-              <a:t>14</a:t>
+              <a:t>27</a:t>
             </a:r>
             <a:r>
               <a:rPr lang="zh-CN" altLang="en-US" b="1" dirty="0">
@@ -3791,7 +3978,7 @@
             </a:r>
             <a:r>
               <a:rPr lang="en-US" altLang="zh-CN" dirty="0"/>
-              <a:t>II-103</a:t>
+              <a:t>II-110</a:t>
             </a:r>
             <a:r>
               <a:rPr lang="zh-CN" altLang="en-US" dirty="0"/>
@@ -3800,25 +3987,6 @@
             <a:endParaRPr lang="en-US" altLang="zh-CN" dirty="0"/>
           </a:p>
           <a:p>
-            <a:r>
-              <a:rPr lang="zh-CN" altLang="en-US" dirty="0"/>
-              <a:t>（请关注课程</a:t>
-            </a:r>
-            <a:r>
-              <a:rPr lang="en-US" altLang="zh-CN" dirty="0"/>
-              <a:t>QQ</a:t>
-            </a:r>
-            <a:r>
-              <a:rPr lang="zh-CN" altLang="en-US" dirty="0"/>
-              <a:t>群</a:t>
-            </a:r>
-            <a:r>
-              <a:rPr lang="zh-CN" altLang="en-US"/>
-              <a:t>的通知）</a:t>
-            </a:r>
-            <a:endParaRPr lang="en-US" altLang="zh-CN" dirty="0"/>
-          </a:p>
-          <a:p>
             <a:pPr lvl="2"/>
             <a:endParaRPr lang="en-US" altLang="zh-CN" sz="2400" dirty="0"/>
           </a:p>
@@ -3848,58 +4016,7 @@
             <a:pPr lvl="1"/>
             <a:r>
               <a:rPr lang="zh-CN" altLang="en-US" sz="2200" dirty="0"/>
-              <a:t>参加考试的同学：</a:t>
-            </a:r>
-            <a:endParaRPr lang="en-US" altLang="zh-CN" sz="2200" dirty="0"/>
-          </a:p>
-          <a:p>
-            <a:pPr marL="457200" lvl="1" indent="0">
-              <a:buNone/>
-            </a:pPr>
-            <a:r>
-              <a:rPr lang="en-US" altLang="zh-CN" sz="2200" dirty="0"/>
-              <a:t>     if (</a:t>
-            </a:r>
-            <a:r>
-              <a:rPr lang="zh-CN" altLang="en-US" sz="2200" dirty="0"/>
-              <a:t>考试成绩</a:t>
-            </a:r>
-            <a:r>
-              <a:rPr lang="en-US" altLang="zh-CN" sz="2200" dirty="0"/>
-              <a:t>&gt;=</a:t>
-            </a:r>
-            <a:r>
-              <a:rPr lang="zh-CN" altLang="en-US" sz="2200" dirty="0"/>
-              <a:t>作业成绩</a:t>
-            </a:r>
-            <a:r>
-              <a:rPr lang="en-US" altLang="zh-CN" sz="2200" dirty="0"/>
-              <a:t>) then </a:t>
-            </a:r>
-            <a:r>
-              <a:rPr lang="zh-CN" altLang="en-US" sz="2200" dirty="0"/>
-              <a:t>考试成绩</a:t>
-            </a:r>
-            <a:endParaRPr lang="en-US" altLang="zh-CN" sz="2200" dirty="0"/>
-          </a:p>
-          <a:p>
-            <a:pPr marL="0" indent="0">
-              <a:spcBef>
-                <a:spcPts val="500"/>
-              </a:spcBef>
-              <a:buNone/>
-            </a:pPr>
-            <a:r>
-              <a:rPr lang="zh-CN" altLang="en-US" sz="2200" dirty="0"/>
-              <a:t>             </a:t>
-            </a:r>
-            <a:r>
-              <a:rPr lang="en-US" altLang="zh-CN" sz="2200" dirty="0"/>
-              <a:t>else </a:t>
-            </a:r>
-            <a:r>
-              <a:rPr lang="zh-CN" altLang="en-US" sz="2200" dirty="0"/>
-              <a:t>作业</a:t>
+              <a:t>参加考试的同学：作业</a:t>
             </a:r>
             <a:r>
               <a:rPr lang="en-US" altLang="zh-CN" sz="2200" dirty="0"/>
@@ -3912,57 +4029,6 @@
             <a:r>
               <a:rPr lang="en-US" altLang="zh-CN" sz="2200" dirty="0"/>
               <a:t>60%</a:t>
-            </a:r>
-          </a:p>
-          <a:p>
-            <a:pPr lvl="2"/>
-            <a:endParaRPr lang="en-US" altLang="zh-CN" sz="2400" dirty="0"/>
-          </a:p>
-          <a:p>
-            <a:r>
-              <a:rPr lang="zh-CN" altLang="en-US" dirty="0"/>
-              <a:t>答疑：</a:t>
-            </a:r>
-            <a:r>
-              <a:rPr lang="en-US" altLang="zh-CN" dirty="0"/>
-              <a:t>13</a:t>
-            </a:r>
-            <a:r>
-              <a:rPr lang="zh-CN" altLang="en-US" dirty="0"/>
-              <a:t>日周二</a:t>
-            </a:r>
-            <a:r>
-              <a:rPr lang="en-US" altLang="zh-CN" dirty="0"/>
-              <a:t>15:30-17:00</a:t>
-            </a:r>
-            <a:r>
-              <a:rPr lang="zh-CN" altLang="en-US" dirty="0"/>
-              <a:t>，计算机系楼</a:t>
-            </a:r>
-            <a:r>
-              <a:rPr lang="en-US" altLang="zh-CN" dirty="0"/>
-              <a:t>404</a:t>
-            </a:r>
-          </a:p>
-          <a:p>
-            <a:pPr marL="0" indent="0">
-              <a:buNone/>
-            </a:pPr>
-            <a:r>
-              <a:rPr lang="en-US" altLang="zh-CN" dirty="0"/>
-              <a:t>            </a:t>
-            </a:r>
-            <a:r>
-              <a:rPr lang="zh-CN" altLang="en-US" dirty="0"/>
-              <a:t>或课程</a:t>
-            </a:r>
-            <a:r>
-              <a:rPr lang="en-US" altLang="zh-CN" dirty="0"/>
-              <a:t>QQ</a:t>
-            </a:r>
-            <a:r>
-              <a:rPr lang="zh-CN" altLang="en-US" dirty="0"/>
-              <a:t>群</a:t>
             </a:r>
           </a:p>
         </p:txBody>
@@ -4050,7 +4116,12 @@
             <p:ph idx="1"/>
           </p:nvPr>
         </p:nvSpPr>
-        <p:spPr/>
+        <p:spPr>
+          <a:xfrm>
+            <a:off x="628650" y="1825624"/>
+            <a:ext cx="7886700" cy="4821665"/>
+          </a:xfrm>
+        </p:spPr>
         <p:txBody>
           <a:bodyPr>
             <a:normAutofit/>
@@ -4073,8 +4144,13 @@
             <a:pPr lvl="1"/>
             <a:r>
               <a:rPr lang="en-US" altLang="zh-CN" dirty="0"/>
-              <a:t>Given a big-step operational semantics, write down the computation of the final results of a configuration</a:t>
-            </a:r>
+              <a:t>Given a big-step operational semantics, write down the derivation of a </a:t>
+            </a:r>
+            <a:r>
+              <a:rPr lang="en-US" altLang="zh-CN"/>
+              <a:t>big-step transition</a:t>
+            </a:r>
+            <a:endParaRPr lang="en-US" altLang="zh-CN" dirty="0"/>
           </a:p>
           <a:p>
             <a:pPr lvl="1"/>
@@ -4095,11 +4171,15 @@
               <a:rPr lang="en-US" altLang="zh-CN" dirty="0"/>
               <a:t> If I tell you the informal meaning of a property, can you formalize it? </a:t>
             </a:r>
-            <a:r>
-              <a:rPr lang="en-US" altLang="zh-CN" sz="1600" dirty="0"/>
-              <a:t>(Please do not use natural language in your formalization.)</a:t>
-            </a:r>
-            <a:endParaRPr lang="zh-CN" altLang="en-US" dirty="0"/>
+            <a:endParaRPr lang="en-US" altLang="zh-CN" sz="1600" dirty="0"/>
+          </a:p>
+          <a:p>
+            <a:pPr lvl="1"/>
+            <a:r>
+              <a:rPr lang="en-US" altLang="zh-CN" dirty="0"/>
+              <a:t>Please do not use natural language in your formalization.</a:t>
+            </a:r>
+            <a:endParaRPr lang="zh-CN" altLang="en-US" sz="4400" dirty="0"/>
           </a:p>
         </p:txBody>
       </p:sp>
@@ -4138,6 +4218,152 @@
           <p:cNvPr id="2" name="标题 1">
             <a:extLst>
               <a:ext uri="{FF2B5EF4-FFF2-40B4-BE49-F238E27FC236}">
+                <a16:creationId xmlns:a16="http://schemas.microsoft.com/office/drawing/2014/main" id="{2F74C663-B112-45EE-870A-4B669A7F59D9}"/>
+              </a:ext>
+            </a:extLst>
+          </p:cNvPr>
+          <p:cNvSpPr>
+            <a:spLocks noGrp="1"/>
+          </p:cNvSpPr>
+          <p:nvPr>
+            <p:ph type="title"/>
+          </p:nvPr>
+        </p:nvSpPr>
+        <p:spPr/>
+        <p:txBody>
+          <a:bodyPr/>
+          <a:lstStyle/>
+          <a:p>
+            <a:r>
+              <a:rPr lang="en-US" altLang="zh-CN" dirty="0"/>
+              <a:t>What is a programming language</a:t>
+            </a:r>
+            <a:endParaRPr lang="zh-CN" altLang="en-US" dirty="0"/>
+          </a:p>
+        </p:txBody>
+      </p:sp>
+      <p:sp>
+        <p:nvSpPr>
+          <p:cNvPr id="3" name="内容占位符 2">
+            <a:extLst>
+              <a:ext uri="{FF2B5EF4-FFF2-40B4-BE49-F238E27FC236}">
+                <a16:creationId xmlns:a16="http://schemas.microsoft.com/office/drawing/2014/main" id="{2D1604C8-4CBE-484D-ADF4-A37A228FCF00}"/>
+              </a:ext>
+            </a:extLst>
+          </p:cNvPr>
+          <p:cNvSpPr>
+            <a:spLocks noGrp="1"/>
+          </p:cNvSpPr>
+          <p:nvPr>
+            <p:ph idx="1"/>
+          </p:nvPr>
+        </p:nvSpPr>
+        <p:spPr/>
+        <p:txBody>
+          <a:bodyPr>
+            <a:normAutofit/>
+          </a:bodyPr>
+          <a:lstStyle/>
+          <a:p>
+            <a:r>
+              <a:rPr lang="en-US" altLang="zh-CN" dirty="0"/>
+              <a:t>Syntax</a:t>
+            </a:r>
+          </a:p>
+          <a:p>
+            <a:r>
+              <a:rPr lang="en-US" altLang="zh-CN" dirty="0"/>
+              <a:t>Operational semantics</a:t>
+            </a:r>
+          </a:p>
+          <a:p>
+            <a:pPr lvl="1"/>
+            <a:r>
+              <a:rPr lang="en-US" altLang="zh-CN" dirty="0"/>
+              <a:t>Small-step operational semantics</a:t>
+            </a:r>
+          </a:p>
+          <a:p>
+            <a:pPr lvl="1"/>
+            <a:r>
+              <a:rPr lang="en-US" altLang="zh-CN" dirty="0"/>
+              <a:t>Big-step operational semantics</a:t>
+            </a:r>
+          </a:p>
+          <a:p>
+            <a:pPr lvl="1"/>
+            <a:endParaRPr lang="en-US" altLang="zh-CN" dirty="0"/>
+          </a:p>
+          <a:p>
+            <a:pPr marL="0" indent="0">
+              <a:buNone/>
+            </a:pPr>
+            <a:r>
+              <a:rPr lang="en-US" altLang="zh-CN" dirty="0"/>
+              <a:t>----------------------------------------------------</a:t>
+            </a:r>
+          </a:p>
+          <a:p>
+            <a:r>
+              <a:rPr lang="en-US" altLang="zh-CN" dirty="0"/>
+              <a:t>Ensuring correctness: type system / program logic</a:t>
+            </a:r>
+          </a:p>
+          <a:p>
+            <a:pPr lvl="1"/>
+            <a:r>
+              <a:rPr lang="en-US" altLang="zh-CN" dirty="0"/>
+              <a:t>Typing rules / logic rules</a:t>
+            </a:r>
+          </a:p>
+          <a:p>
+            <a:pPr lvl="1"/>
+            <a:r>
+              <a:rPr lang="en-US" altLang="zh-CN" dirty="0"/>
+              <a:t>Soundness</a:t>
+            </a:r>
+          </a:p>
+          <a:p>
+            <a:pPr lvl="1"/>
+            <a:endParaRPr lang="en-US" altLang="zh-CN" dirty="0"/>
+          </a:p>
+        </p:txBody>
+      </p:sp>
+    </p:spTree>
+    <p:extLst>
+      <p:ext uri="{BB962C8B-B14F-4D97-AF65-F5344CB8AC3E}">
+        <p14:creationId xmlns:p14="http://schemas.microsoft.com/office/powerpoint/2010/main" val="4146780337"/>
+      </p:ext>
+    </p:extLst>
+  </p:cSld>
+  <p:clrMapOvr>
+    <a:masterClrMapping/>
+  </p:clrMapOvr>
+</p:sld>
+</file>
+
+<file path=ppt/slides/slide5.xml><?xml version="1.0" encoding="utf-8"?>
+<p:sld xmlns:a="http://schemas.openxmlformats.org/drawingml/2006/main" xmlns:r="http://schemas.openxmlformats.org/officeDocument/2006/relationships" xmlns:p="http://schemas.openxmlformats.org/presentationml/2006/main">
+  <p:cSld>
+    <p:spTree>
+      <p:nvGrpSpPr>
+        <p:cNvPr id="1" name=""/>
+        <p:cNvGrpSpPr/>
+        <p:nvPr/>
+      </p:nvGrpSpPr>
+      <p:grpSpPr>
+        <a:xfrm>
+          <a:off x="0" y="0"/>
+          <a:ext cx="0" cy="0"/>
+          <a:chOff x="0" y="0"/>
+          <a:chExt cx="0" cy="0"/>
+        </a:xfrm>
+      </p:grpSpPr>
+      <p:sp>
+        <p:nvSpPr>
+          <p:cNvPr id="2" name="标题 1">
+            <a:extLst>
+              <a:ext uri="{FF2B5EF4-FFF2-40B4-BE49-F238E27FC236}">
                 <a16:creationId xmlns:a16="http://schemas.microsoft.com/office/drawing/2014/main" id="{6A07390F-2177-4CAF-9F2F-3253BEB19C4C}"/>
               </a:ext>
             </a:extLst>
@@ -4158,7 +4384,7 @@
           <a:p>
             <a:r>
               <a:rPr lang="en-US" altLang="zh-CN" sz="4000" dirty="0"/>
-              <a:t>Formal Semantics of Programming Languages</a:t>
+              <a:t>Course Contents</a:t>
             </a:r>
             <a:endParaRPr lang="zh-CN" altLang="en-US" sz="4000" dirty="0"/>
           </a:p>
@@ -4233,8 +4459,8 @@
             <a:r>
               <a:rPr lang="en-US" altLang="zh-CN" dirty="0">
                 <a:solidFill>
-                  <a:schemeClr val="bg2">
-                    <a:lumMod val="90000"/>
+                  <a:schemeClr val="bg1">
+                    <a:lumMod val="65000"/>
                   </a:schemeClr>
                 </a:solidFill>
               </a:rPr>
@@ -4256,7 +4482,7 @@
 </p:sld>
 </file>
 
-<file path=ppt/slides/slide5.xml><?xml version="1.0" encoding="utf-8"?>
+<file path=ppt/slides/slide6.xml><?xml version="1.0" encoding="utf-8"?>
 <p:sld xmlns:a="http://schemas.openxmlformats.org/drawingml/2006/main" xmlns:r="http://schemas.openxmlformats.org/officeDocument/2006/relationships" xmlns:p="http://schemas.openxmlformats.org/presentationml/2006/main">
   <p:cSld>
     <p:spTree>
@@ -4413,7 +4639,7 @@
 </p:sld>
 </file>
 
-<file path=ppt/slides/slide6.xml><?xml version="1.0" encoding="utf-8"?>
+<file path=ppt/slides/slide7.xml><?xml version="1.0" encoding="utf-8"?>
 <p:sld xmlns:a="http://schemas.openxmlformats.org/drawingml/2006/main" xmlns:r="http://schemas.openxmlformats.org/officeDocument/2006/relationships" xmlns:p="http://schemas.openxmlformats.org/presentationml/2006/main">
   <p:cSld>
     <p:spTree>
@@ -4552,7 +4778,7 @@
 </p:sld>
 </file>
 
-<file path=ppt/slides/slide7.xml><?xml version="1.0" encoding="utf-8"?>
+<file path=ppt/slides/slide8.xml><?xml version="1.0" encoding="utf-8"?>
 <p:sld xmlns:a="http://schemas.openxmlformats.org/drawingml/2006/main" xmlns:r="http://schemas.openxmlformats.org/officeDocument/2006/relationships" xmlns:p="http://schemas.openxmlformats.org/presentationml/2006/main">
   <p:cSld>
     <p:spTree>
@@ -4700,7 +4926,7 @@
 </p:sld>
 </file>
 
-<file path=ppt/slides/slide8.xml><?xml version="1.0" encoding="utf-8"?>
+<file path=ppt/slides/slide9.xml><?xml version="1.0" encoding="utf-8"?>
 <p:sld xmlns:a="http://schemas.openxmlformats.org/drawingml/2006/main" xmlns:r="http://schemas.openxmlformats.org/officeDocument/2006/relationships" xmlns:p="http://schemas.openxmlformats.org/presentationml/2006/main">
   <p:cSld>
     <p:spTree>
@@ -4809,124 +5035,6 @@
     <p:extLst>
       <p:ext uri="{BB962C8B-B14F-4D97-AF65-F5344CB8AC3E}">
         <p14:creationId xmlns:p14="http://schemas.microsoft.com/office/powerpoint/2010/main" val="3704896949"/>
-      </p:ext>
-    </p:extLst>
-  </p:cSld>
-  <p:clrMapOvr>
-    <a:masterClrMapping/>
-  </p:clrMapOvr>
-</p:sld>
-</file>
-
-<file path=ppt/slides/slide9.xml><?xml version="1.0" encoding="utf-8"?>
-<p:sld xmlns:a="http://schemas.openxmlformats.org/drawingml/2006/main" xmlns:r="http://schemas.openxmlformats.org/officeDocument/2006/relationships" xmlns:p="http://schemas.openxmlformats.org/presentationml/2006/main">
-  <p:cSld>
-    <p:spTree>
-      <p:nvGrpSpPr>
-        <p:cNvPr id="1" name=""/>
-        <p:cNvGrpSpPr/>
-        <p:nvPr/>
-      </p:nvGrpSpPr>
-      <p:grpSpPr>
-        <a:xfrm>
-          <a:off x="0" y="0"/>
-          <a:ext cx="0" cy="0"/>
-          <a:chOff x="0" y="0"/>
-          <a:chExt cx="0" cy="0"/>
-        </a:xfrm>
-      </p:grpSpPr>
-      <p:sp>
-        <p:nvSpPr>
-          <p:cNvPr id="2" name="标题 1">
-            <a:extLst>
-              <a:ext uri="{FF2B5EF4-FFF2-40B4-BE49-F238E27FC236}">
-                <a16:creationId xmlns:a16="http://schemas.microsoft.com/office/drawing/2014/main" id="{E68BDC5F-7158-440C-8971-92B8532FFA42}"/>
-              </a:ext>
-            </a:extLst>
-          </p:cNvPr>
-          <p:cNvSpPr>
-            <a:spLocks noGrp="1"/>
-          </p:cNvSpPr>
-          <p:nvPr>
-            <p:ph type="title"/>
-          </p:nvPr>
-        </p:nvSpPr>
-        <p:spPr/>
-        <p:txBody>
-          <a:bodyPr/>
-          <a:lstStyle/>
-          <a:p>
-            <a:r>
-              <a:rPr lang="en-US" altLang="zh-CN" dirty="0"/>
-              <a:t>Operational semantics</a:t>
-            </a:r>
-            <a:endParaRPr lang="zh-CN" altLang="en-US" dirty="0"/>
-          </a:p>
-        </p:txBody>
-      </p:sp>
-      <p:sp>
-        <p:nvSpPr>
-          <p:cNvPr id="3" name="内容占位符 2">
-            <a:extLst>
-              <a:ext uri="{FF2B5EF4-FFF2-40B4-BE49-F238E27FC236}">
-                <a16:creationId xmlns:a16="http://schemas.microsoft.com/office/drawing/2014/main" id="{B230FF1E-BD04-4F2B-AB1C-EE20DFCC4121}"/>
-              </a:ext>
-            </a:extLst>
-          </p:cNvPr>
-          <p:cNvSpPr>
-            <a:spLocks noGrp="1"/>
-          </p:cNvSpPr>
-          <p:nvPr>
-            <p:ph idx="1"/>
-          </p:nvPr>
-        </p:nvSpPr>
-        <p:spPr/>
-        <p:txBody>
-          <a:bodyPr/>
-          <a:lstStyle/>
-          <a:p>
-            <a:r>
-              <a:rPr lang="en-US" altLang="zh-CN" dirty="0"/>
-              <a:t>Small-step</a:t>
-            </a:r>
-            <a:endParaRPr lang="zh-CN" altLang="en-US" dirty="0"/>
-          </a:p>
-        </p:txBody>
-      </p:sp>
-      <p:pic>
-        <p:nvPicPr>
-          <p:cNvPr id="10" name="图片 9">
-            <a:extLst>
-              <a:ext uri="{FF2B5EF4-FFF2-40B4-BE49-F238E27FC236}">
-                <a16:creationId xmlns:a16="http://schemas.microsoft.com/office/drawing/2014/main" id="{57F274E9-F672-474E-9B3F-2264A81B3C17}"/>
-              </a:ext>
-            </a:extLst>
-          </p:cNvPr>
-          <p:cNvPicPr>
-            <a:picLocks noChangeAspect="1"/>
-          </p:cNvPicPr>
-          <p:nvPr/>
-        </p:nvPicPr>
-        <p:blipFill>
-          <a:blip r:embed="rId2"/>
-          <a:stretch>
-            <a:fillRect/>
-          </a:stretch>
-        </p:blipFill>
-        <p:spPr>
-          <a:xfrm>
-            <a:off x="2468880" y="1458835"/>
-            <a:ext cx="6470332" cy="5267750"/>
-          </a:xfrm>
-          <a:prstGeom prst="rect">
-            <a:avLst/>
-          </a:prstGeom>
-        </p:spPr>
-      </p:pic>
-    </p:spTree>
-    <p:extLst>
-      <p:ext uri="{BB962C8B-B14F-4D97-AF65-F5344CB8AC3E}">
-        <p14:creationId xmlns:p14="http://schemas.microsoft.com/office/powerpoint/2010/main" val="4251448207"/>
       </p:ext>
     </p:extLst>
   </p:cSld>

--- a/teaching/semantics/09_review.pptx
+++ b/teaching/semantics/09_review.pptx
@@ -255,7 +255,7 @@
           <a:p>
             <a:fld id="{8EC9B9C0-1732-48FC-A1EE-0A8CC1B1CCFA}" type="datetimeFigureOut">
               <a:rPr lang="zh-CN" altLang="en-US" smtClean="0"/>
-              <a:t>2023/12/19</a:t>
+              <a:t>2023/12/20</a:t>
             </a:fld>
             <a:endParaRPr lang="zh-CN" altLang="en-US"/>
           </a:p>
@@ -425,7 +425,7 @@
           <a:p>
             <a:fld id="{8EC9B9C0-1732-48FC-A1EE-0A8CC1B1CCFA}" type="datetimeFigureOut">
               <a:rPr lang="zh-CN" altLang="en-US" smtClean="0"/>
-              <a:t>2023/12/19</a:t>
+              <a:t>2023/12/20</a:t>
             </a:fld>
             <a:endParaRPr lang="zh-CN" altLang="en-US"/>
           </a:p>
@@ -605,7 +605,7 @@
           <a:p>
             <a:fld id="{8EC9B9C0-1732-48FC-A1EE-0A8CC1B1CCFA}" type="datetimeFigureOut">
               <a:rPr lang="zh-CN" altLang="en-US" smtClean="0"/>
-              <a:t>2023/12/19</a:t>
+              <a:t>2023/12/20</a:t>
             </a:fld>
             <a:endParaRPr lang="zh-CN" altLang="en-US"/>
           </a:p>
@@ -775,7 +775,7 @@
           <a:p>
             <a:fld id="{8EC9B9C0-1732-48FC-A1EE-0A8CC1B1CCFA}" type="datetimeFigureOut">
               <a:rPr lang="zh-CN" altLang="en-US" smtClean="0"/>
-              <a:t>2023/12/19</a:t>
+              <a:t>2023/12/20</a:t>
             </a:fld>
             <a:endParaRPr lang="zh-CN" altLang="en-US"/>
           </a:p>
@@ -1019,7 +1019,7 @@
           <a:p>
             <a:fld id="{8EC9B9C0-1732-48FC-A1EE-0A8CC1B1CCFA}" type="datetimeFigureOut">
               <a:rPr lang="zh-CN" altLang="en-US" smtClean="0"/>
-              <a:t>2023/12/19</a:t>
+              <a:t>2023/12/20</a:t>
             </a:fld>
             <a:endParaRPr lang="zh-CN" altLang="en-US"/>
           </a:p>
@@ -1251,7 +1251,7 @@
           <a:p>
             <a:fld id="{8EC9B9C0-1732-48FC-A1EE-0A8CC1B1CCFA}" type="datetimeFigureOut">
               <a:rPr lang="zh-CN" altLang="en-US" smtClean="0"/>
-              <a:t>2023/12/19</a:t>
+              <a:t>2023/12/20</a:t>
             </a:fld>
             <a:endParaRPr lang="zh-CN" altLang="en-US"/>
           </a:p>
@@ -1618,7 +1618,7 @@
           <a:p>
             <a:fld id="{8EC9B9C0-1732-48FC-A1EE-0A8CC1B1CCFA}" type="datetimeFigureOut">
               <a:rPr lang="zh-CN" altLang="en-US" smtClean="0"/>
-              <a:t>2023/12/19</a:t>
+              <a:t>2023/12/20</a:t>
             </a:fld>
             <a:endParaRPr lang="zh-CN" altLang="en-US"/>
           </a:p>
@@ -1736,7 +1736,7 @@
           <a:p>
             <a:fld id="{8EC9B9C0-1732-48FC-A1EE-0A8CC1B1CCFA}" type="datetimeFigureOut">
               <a:rPr lang="zh-CN" altLang="en-US" smtClean="0"/>
-              <a:t>2023/12/19</a:t>
+              <a:t>2023/12/20</a:t>
             </a:fld>
             <a:endParaRPr lang="zh-CN" altLang="en-US"/>
           </a:p>
@@ -1831,7 +1831,7 @@
           <a:p>
             <a:fld id="{8EC9B9C0-1732-48FC-A1EE-0A8CC1B1CCFA}" type="datetimeFigureOut">
               <a:rPr lang="zh-CN" altLang="en-US" smtClean="0"/>
-              <a:t>2023/12/19</a:t>
+              <a:t>2023/12/20</a:t>
             </a:fld>
             <a:endParaRPr lang="zh-CN" altLang="en-US"/>
           </a:p>
@@ -2108,7 +2108,7 @@
           <a:p>
             <a:fld id="{8EC9B9C0-1732-48FC-A1EE-0A8CC1B1CCFA}" type="datetimeFigureOut">
               <a:rPr lang="zh-CN" altLang="en-US" smtClean="0"/>
-              <a:t>2023/12/19</a:t>
+              <a:t>2023/12/20</a:t>
             </a:fld>
             <a:endParaRPr lang="zh-CN" altLang="en-US"/>
           </a:p>
@@ -2365,7 +2365,7 @@
           <a:p>
             <a:fld id="{8EC9B9C0-1732-48FC-A1EE-0A8CC1B1CCFA}" type="datetimeFigureOut">
               <a:rPr lang="zh-CN" altLang="en-US" smtClean="0"/>
-              <a:t>2023/12/19</a:t>
+              <a:t>2023/12/20</a:t>
             </a:fld>
             <a:endParaRPr lang="zh-CN" altLang="en-US"/>
           </a:p>
@@ -2578,7 +2578,7 @@
           <a:p>
             <a:fld id="{8EC9B9C0-1732-48FC-A1EE-0A8CC1B1CCFA}" type="datetimeFigureOut">
               <a:rPr lang="zh-CN" altLang="en-US" smtClean="0"/>
-              <a:t>2023/12/19</a:t>
+              <a:t>2023/12/20</a:t>
             </a:fld>
             <a:endParaRPr lang="zh-CN" altLang="en-US"/>
           </a:p>
@@ -3899,15 +3899,15 @@
               <a:t>时间：</a:t>
             </a:r>
             <a:r>
-              <a:rPr lang="en-US" altLang="zh-CN" b="1" dirty="0">
+              <a:rPr lang="en-US" altLang="zh-CN" b="1">
                 <a:solidFill>
                   <a:srgbClr val="FF0000"/>
                 </a:solidFill>
               </a:rPr>
-              <a:t>2022</a:t>
-            </a:r>
-            <a:r>
-              <a:rPr lang="zh-CN" altLang="en-US" b="1" dirty="0">
+              <a:t>2023</a:t>
+            </a:r>
+            <a:r>
+              <a:rPr lang="zh-CN" altLang="en-US" b="1">
                 <a:solidFill>
                   <a:srgbClr val="FF0000"/>
                 </a:solidFill>
